--- a/Concurrent Applications - F# Agents/Concurrent Applications with F.pptx
+++ b/Concurrent Applications - F# Agents/Concurrent Applications with F.pptx
@@ -4511,21 +4511,8 @@
                 <a:schemeClr val="bg1"/>
               </a:solidFill>
             </a:rPr>
-            <a:t>F# agents are contained in-process; they are not distributed</a:t>
+            <a:t>F# agents are contained in-process; they are not distributed.</a:t>
           </a:r>
-          <a:r>
-            <a:rPr lang="en-US" dirty="0" smtClean="0">
-              <a:solidFill>
-                <a:schemeClr val="bg1"/>
-              </a:solidFill>
-            </a:rPr>
-            <a:t>.</a:t>
-          </a:r>
-          <a:endParaRPr lang="en-US" dirty="0" smtClean="0">
-            <a:solidFill>
-              <a:schemeClr val="bg1"/>
-            </a:solidFill>
-          </a:endParaRPr>
         </a:p>
       </dgm:t>
     </dgm:pt>
@@ -4589,21 +4576,8 @@
                 <a:schemeClr val="bg1"/>
               </a:solidFill>
             </a:rPr>
-            <a:t>Lack of support for supervisors</a:t>
+            <a:t>Lack of support for supervisors.</a:t>
           </a:r>
-          <a:r>
-            <a:rPr lang="en-US" dirty="0" smtClean="0">
-              <a:solidFill>
-                <a:schemeClr val="bg1"/>
-              </a:solidFill>
-            </a:rPr>
-            <a:t>.</a:t>
-          </a:r>
-          <a:endParaRPr lang="en-US" dirty="0" smtClean="0">
-            <a:solidFill>
-              <a:schemeClr val="bg1"/>
-            </a:solidFill>
-          </a:endParaRPr>
         </a:p>
       </dgm:t>
     </dgm:pt>
@@ -4667,21 +4641,8 @@
                 <a:schemeClr val="bg1"/>
               </a:solidFill>
             </a:rPr>
-            <a:t>No built-in durable mailboxes</a:t>
+            <a:t>No built-in durable mailboxes.</a:t>
           </a:r>
-          <a:r>
-            <a:rPr lang="en-US" dirty="0" smtClean="0">
-              <a:solidFill>
-                <a:schemeClr val="bg1"/>
-              </a:solidFill>
-            </a:rPr>
-            <a:t>.</a:t>
-          </a:r>
-          <a:endParaRPr lang="en-US" dirty="0" smtClean="0">
-            <a:solidFill>
-              <a:schemeClr val="bg1"/>
-            </a:solidFill>
-          </a:endParaRPr>
         </a:p>
       </dgm:t>
     </dgm:pt>
@@ -4715,6 +4676,13 @@
         </dgm:presLayoutVars>
       </dgm:prSet>
       <dgm:spPr/>
+      <dgm:t>
+        <a:bodyPr/>
+        <a:lstStyle/>
+        <a:p>
+          <a:endParaRPr lang="en-US"/>
+        </a:p>
+      </dgm:t>
     </dgm:pt>
     <dgm:pt modelId="{9CD17224-26FB-42BD-8E25-5AE899064F4E}" type="pres">
       <dgm:prSet presAssocID="{52006126-CF9A-4B9E-A21D-F856767EC67C}" presName="Name5" presStyleLbl="vennNode1" presStyleIdx="0" presStyleCnt="3">
@@ -4723,6 +4691,13 @@
         </dgm:presLayoutVars>
       </dgm:prSet>
       <dgm:spPr/>
+      <dgm:t>
+        <a:bodyPr/>
+        <a:lstStyle/>
+        <a:p>
+          <a:endParaRPr lang="en-US"/>
+        </a:p>
+      </dgm:t>
     </dgm:pt>
     <dgm:pt modelId="{D0FAEC00-1B95-4615-B52D-67A3188E2ED3}" type="pres">
       <dgm:prSet presAssocID="{6283420B-029A-42CF-839F-063E2690E341}" presName="space" presStyleCnt="0"/>
@@ -4735,6 +4710,13 @@
         </dgm:presLayoutVars>
       </dgm:prSet>
       <dgm:spPr/>
+      <dgm:t>
+        <a:bodyPr/>
+        <a:lstStyle/>
+        <a:p>
+          <a:endParaRPr lang="en-US"/>
+        </a:p>
+      </dgm:t>
     </dgm:pt>
     <dgm:pt modelId="{5E861817-2B7A-45B9-9897-42426AE75DCF}" type="pres">
       <dgm:prSet presAssocID="{FE1D690F-E83F-4FA3-9C30-AFDD4E542AC1}" presName="space" presStyleCnt="0"/>
@@ -4747,16 +4729,23 @@
         </dgm:presLayoutVars>
       </dgm:prSet>
       <dgm:spPr/>
+      <dgm:t>
+        <a:bodyPr/>
+        <a:lstStyle/>
+        <a:p>
+          <a:endParaRPr lang="en-US"/>
+        </a:p>
+      </dgm:t>
     </dgm:pt>
   </dgm:ptLst>
   <dgm:cxnLst>
+    <dgm:cxn modelId="{63DC4542-B6CC-49EE-8B81-D4BCC1DF0776}" type="presOf" srcId="{52006126-CF9A-4B9E-A21D-F856767EC67C}" destId="{9CD17224-26FB-42BD-8E25-5AE899064F4E}" srcOrd="0" destOrd="0" presId="urn:microsoft.com/office/officeart/2005/8/layout/venn3"/>
+    <dgm:cxn modelId="{A8D4F330-F6DA-4AC0-A1BC-B8166DB44A3B}" srcId="{52E00047-A06B-42A1-8BED-6C876EBF5FA1}" destId="{D866443C-ECD3-4BDD-B840-406E874E96CC}" srcOrd="2" destOrd="0" parTransId="{A4BF187E-200B-4060-8E49-F8405E13685B}" sibTransId="{D8ABBE3A-9BEB-4E43-B74C-9DD6DCD649E2}"/>
     <dgm:cxn modelId="{57D02927-506F-426C-9DC2-49E8B7F16D18}" srcId="{52E00047-A06B-42A1-8BED-6C876EBF5FA1}" destId="{52006126-CF9A-4B9E-A21D-F856767EC67C}" srcOrd="0" destOrd="0" parTransId="{CFD3BD02-66F9-4BCC-9F15-824A2FDDDDA2}" sibTransId="{6283420B-029A-42CF-839F-063E2690E341}"/>
     <dgm:cxn modelId="{FA6DD65D-1073-4C50-A732-643F7DD8C6B5}" type="presOf" srcId="{52E00047-A06B-42A1-8BED-6C876EBF5FA1}" destId="{2060C173-E0B0-4DDB-A986-54FC58E011B9}" srcOrd="0" destOrd="0" presId="urn:microsoft.com/office/officeart/2005/8/layout/venn3"/>
     <dgm:cxn modelId="{27C14130-FC58-4A1C-84FA-58511CE75DB3}" type="presOf" srcId="{6CB5F81F-9AFF-4FB7-8050-26B509EF7612}" destId="{2D324642-AFED-4013-B227-A39ABB5D5BAA}" srcOrd="0" destOrd="0" presId="urn:microsoft.com/office/officeart/2005/8/layout/venn3"/>
     <dgm:cxn modelId="{6AD6762C-2A4D-43E0-B39B-6151BA079113}" srcId="{52E00047-A06B-42A1-8BED-6C876EBF5FA1}" destId="{6CB5F81F-9AFF-4FB7-8050-26B509EF7612}" srcOrd="1" destOrd="0" parTransId="{A6836B6C-5127-445F-8A9E-C070D174B5A8}" sibTransId="{FE1D690F-E83F-4FA3-9C30-AFDD4E542AC1}"/>
-    <dgm:cxn modelId="{A8D4F330-F6DA-4AC0-A1BC-B8166DB44A3B}" srcId="{52E00047-A06B-42A1-8BED-6C876EBF5FA1}" destId="{D866443C-ECD3-4BDD-B840-406E874E96CC}" srcOrd="2" destOrd="0" parTransId="{A4BF187E-200B-4060-8E49-F8405E13685B}" sibTransId="{D8ABBE3A-9BEB-4E43-B74C-9DD6DCD649E2}"/>
     <dgm:cxn modelId="{C16D3386-5DD8-43CF-B12A-322FE4D13B30}" type="presOf" srcId="{D866443C-ECD3-4BDD-B840-406E874E96CC}" destId="{10269018-D26A-4153-BF03-D986974ABBFB}" srcOrd="0" destOrd="0" presId="urn:microsoft.com/office/officeart/2005/8/layout/venn3"/>
-    <dgm:cxn modelId="{63DC4542-B6CC-49EE-8B81-D4BCC1DF0776}" type="presOf" srcId="{52006126-CF9A-4B9E-A21D-F856767EC67C}" destId="{9CD17224-26FB-42BD-8E25-5AE899064F4E}" srcOrd="0" destOrd="0" presId="urn:microsoft.com/office/officeart/2005/8/layout/venn3"/>
     <dgm:cxn modelId="{1D4CF5DF-0056-496C-A967-8946261F6EC7}" type="presParOf" srcId="{2060C173-E0B0-4DDB-A986-54FC58E011B9}" destId="{9CD17224-26FB-42BD-8E25-5AE899064F4E}" srcOrd="0" destOrd="0" presId="urn:microsoft.com/office/officeart/2005/8/layout/venn3"/>
     <dgm:cxn modelId="{4B6F6E8C-09F0-4121-9F4B-7528E17AD01C}" type="presParOf" srcId="{2060C173-E0B0-4DDB-A986-54FC58E011B9}" destId="{D0FAEC00-1B95-4615-B52D-67A3188E2ED3}" srcOrd="1" destOrd="0" presId="urn:microsoft.com/office/officeart/2005/8/layout/venn3"/>
     <dgm:cxn modelId="{FC582A02-3D4E-426B-84CB-3AB566420E7D}" type="presParOf" srcId="{2060C173-E0B0-4DDB-A986-54FC58E011B9}" destId="{2D324642-AFED-4013-B227-A39ABB5D5BAA}" srcOrd="2" destOrd="0" presId="urn:microsoft.com/office/officeart/2005/8/layout/venn3"/>
@@ -4781,6 +4770,1208 @@
       <dsp:cNvGrpSpPr/>
     </dsp:nvGrpSpPr>
     <dsp:grpSpPr/>
+    <dsp:sp modelId="{DAB28311-038B-45FC-8929-FF7258AF2DA7}">
+      <dsp:nvSpPr>
+        <dsp:cNvPr id="0" name=""/>
+        <dsp:cNvSpPr/>
+      </dsp:nvSpPr>
+      <dsp:spPr>
+        <a:xfrm>
+          <a:off x="158240" y="1022670"/>
+          <a:ext cx="2284827" cy="752954"/>
+        </a:xfrm>
+        <a:prstGeom prst="rect">
+          <a:avLst/>
+        </a:prstGeom>
+        <a:noFill/>
+        <a:ln>
+          <a:noFill/>
+        </a:ln>
+        <a:effectLst/>
+      </dsp:spPr>
+      <dsp:style>
+        <a:lnRef idx="0">
+          <a:scrgbClr r="0" g="0" b="0"/>
+        </a:lnRef>
+        <a:fillRef idx="0">
+          <a:scrgbClr r="0" g="0" b="0"/>
+        </a:fillRef>
+        <a:effectRef idx="0">
+          <a:scrgbClr r="0" g="0" b="0"/>
+        </a:effectRef>
+        <a:fontRef idx="minor"/>
+      </dsp:style>
+      <dsp:txBody>
+        <a:bodyPr spcFirstLastPara="0" vert="horz" wrap="square" lIns="48260" tIns="48260" rIns="48260" bIns="48260" numCol="1" spcCol="1270" anchor="ctr" anchorCtr="0">
+          <a:noAutofit/>
+        </a:bodyPr>
+        <a:lstStyle/>
+        <a:p>
+          <a:pPr lvl="0" algn="ctr" defTabSz="1689100">
+            <a:lnSpc>
+              <a:spcPct val="90000"/>
+            </a:lnSpc>
+            <a:spcBef>
+              <a:spcPct val="0"/>
+            </a:spcBef>
+            <a:spcAft>
+              <a:spcPct val="35000"/>
+            </a:spcAft>
+          </a:pPr>
+          <a:r>
+            <a:rPr lang="en-US" sz="3800" kern="1200" dirty="0" smtClean="0"/>
+            <a:t>Everything</a:t>
+          </a:r>
+          <a:endParaRPr lang="en-US" sz="3800" kern="1200" dirty="0"/>
+        </a:p>
+      </dsp:txBody>
+      <dsp:txXfrm>
+        <a:off x="158240" y="1022670"/>
+        <a:ext cx="2284827" cy="752954"/>
+      </dsp:txXfrm>
+    </dsp:sp>
+    <dsp:sp modelId="{311A4562-3D0A-4421-A676-7540D5C85F5D}">
+      <dsp:nvSpPr>
+        <dsp:cNvPr id="0" name=""/>
+        <dsp:cNvSpPr/>
+      </dsp:nvSpPr>
+      <dsp:spPr>
+        <a:xfrm>
+          <a:off x="155644" y="793668"/>
+          <a:ext cx="181747" cy="181747"/>
+        </a:xfrm>
+        <a:prstGeom prst="ellipse">
+          <a:avLst/>
+        </a:prstGeom>
+        <a:solidFill>
+          <a:schemeClr val="accent1">
+            <a:hueOff val="0"/>
+            <a:satOff val="0"/>
+            <a:lumOff val="0"/>
+            <a:alphaOff val="0"/>
+          </a:schemeClr>
+        </a:solidFill>
+        <a:ln>
+          <a:noFill/>
+        </a:ln>
+        <a:effectLst/>
+        <a:scene3d>
+          <a:camera prst="orthographicFront"/>
+          <a:lightRig rig="threePt" dir="t">
+            <a:rot lat="0" lon="0" rev="7500000"/>
+          </a:lightRig>
+        </a:scene3d>
+        <a:sp3d prstMaterial="plastic">
+          <a:bevelT w="127000" h="25400" prst="relaxedInset"/>
+        </a:sp3d>
+      </dsp:spPr>
+      <dsp:style>
+        <a:lnRef idx="0">
+          <a:scrgbClr r="0" g="0" b="0"/>
+        </a:lnRef>
+        <a:fillRef idx="3">
+          <a:scrgbClr r="0" g="0" b="0"/>
+        </a:fillRef>
+        <a:effectRef idx="2">
+          <a:scrgbClr r="0" g="0" b="0"/>
+        </a:effectRef>
+        <a:fontRef idx="minor">
+          <a:schemeClr val="lt1"/>
+        </a:fontRef>
+      </dsp:style>
+    </dsp:sp>
+    <dsp:sp modelId="{C5ABDC77-009D-4807-830B-CC65290487AF}">
+      <dsp:nvSpPr>
+        <dsp:cNvPr id="0" name=""/>
+        <dsp:cNvSpPr/>
+      </dsp:nvSpPr>
+      <dsp:spPr>
+        <a:xfrm>
+          <a:off x="282867" y="539221"/>
+          <a:ext cx="181747" cy="181747"/>
+        </a:xfrm>
+        <a:prstGeom prst="ellipse">
+          <a:avLst/>
+        </a:prstGeom>
+        <a:solidFill>
+          <a:schemeClr val="accent1">
+            <a:hueOff val="0"/>
+            <a:satOff val="0"/>
+            <a:lumOff val="0"/>
+            <a:alphaOff val="0"/>
+          </a:schemeClr>
+        </a:solidFill>
+        <a:ln>
+          <a:noFill/>
+        </a:ln>
+        <a:effectLst/>
+        <a:scene3d>
+          <a:camera prst="orthographicFront"/>
+          <a:lightRig rig="threePt" dir="t">
+            <a:rot lat="0" lon="0" rev="7500000"/>
+          </a:lightRig>
+        </a:scene3d>
+        <a:sp3d prstMaterial="plastic">
+          <a:bevelT w="127000" h="25400" prst="relaxedInset"/>
+        </a:sp3d>
+      </dsp:spPr>
+      <dsp:style>
+        <a:lnRef idx="0">
+          <a:scrgbClr r="0" g="0" b="0"/>
+        </a:lnRef>
+        <a:fillRef idx="3">
+          <a:scrgbClr r="0" g="0" b="0"/>
+        </a:fillRef>
+        <a:effectRef idx="2">
+          <a:scrgbClr r="0" g="0" b="0"/>
+        </a:effectRef>
+        <a:fontRef idx="minor">
+          <a:schemeClr val="lt1"/>
+        </a:fontRef>
+      </dsp:style>
+    </dsp:sp>
+    <dsp:sp modelId="{0DD74683-1B22-4086-8302-5BF4B4594961}">
+      <dsp:nvSpPr>
+        <dsp:cNvPr id="0" name=""/>
+        <dsp:cNvSpPr/>
+      </dsp:nvSpPr>
+      <dsp:spPr>
+        <a:xfrm>
+          <a:off x="588203" y="590110"/>
+          <a:ext cx="285603" cy="285603"/>
+        </a:xfrm>
+        <a:prstGeom prst="ellipse">
+          <a:avLst/>
+        </a:prstGeom>
+        <a:solidFill>
+          <a:schemeClr val="accent1">
+            <a:hueOff val="0"/>
+            <a:satOff val="0"/>
+            <a:lumOff val="0"/>
+            <a:alphaOff val="0"/>
+          </a:schemeClr>
+        </a:solidFill>
+        <a:ln>
+          <a:noFill/>
+        </a:ln>
+        <a:effectLst/>
+        <a:scene3d>
+          <a:camera prst="orthographicFront"/>
+          <a:lightRig rig="threePt" dir="t">
+            <a:rot lat="0" lon="0" rev="7500000"/>
+          </a:lightRig>
+        </a:scene3d>
+        <a:sp3d prstMaterial="plastic">
+          <a:bevelT w="127000" h="25400" prst="relaxedInset"/>
+        </a:sp3d>
+      </dsp:spPr>
+      <dsp:style>
+        <a:lnRef idx="0">
+          <a:scrgbClr r="0" g="0" b="0"/>
+        </a:lnRef>
+        <a:fillRef idx="3">
+          <a:scrgbClr r="0" g="0" b="0"/>
+        </a:fillRef>
+        <a:effectRef idx="2">
+          <a:scrgbClr r="0" g="0" b="0"/>
+        </a:effectRef>
+        <a:fontRef idx="minor">
+          <a:schemeClr val="lt1"/>
+        </a:fontRef>
+      </dsp:style>
+    </dsp:sp>
+    <dsp:sp modelId="{1C9E7B99-13FC-4D72-AA39-5E1E64284A39}">
+      <dsp:nvSpPr>
+        <dsp:cNvPr id="0" name=""/>
+        <dsp:cNvSpPr/>
+      </dsp:nvSpPr>
+      <dsp:spPr>
+        <a:xfrm>
+          <a:off x="842650" y="310219"/>
+          <a:ext cx="181747" cy="181747"/>
+        </a:xfrm>
+        <a:prstGeom prst="ellipse">
+          <a:avLst/>
+        </a:prstGeom>
+        <a:solidFill>
+          <a:schemeClr val="accent1">
+            <a:hueOff val="0"/>
+            <a:satOff val="0"/>
+            <a:lumOff val="0"/>
+            <a:alphaOff val="0"/>
+          </a:schemeClr>
+        </a:solidFill>
+        <a:ln>
+          <a:noFill/>
+        </a:ln>
+        <a:effectLst/>
+        <a:scene3d>
+          <a:camera prst="orthographicFront"/>
+          <a:lightRig rig="threePt" dir="t">
+            <a:rot lat="0" lon="0" rev="7500000"/>
+          </a:lightRig>
+        </a:scene3d>
+        <a:sp3d prstMaterial="plastic">
+          <a:bevelT w="127000" h="25400" prst="relaxedInset"/>
+        </a:sp3d>
+      </dsp:spPr>
+      <dsp:style>
+        <a:lnRef idx="0">
+          <a:scrgbClr r="0" g="0" b="0"/>
+        </a:lnRef>
+        <a:fillRef idx="3">
+          <a:scrgbClr r="0" g="0" b="0"/>
+        </a:fillRef>
+        <a:effectRef idx="2">
+          <a:scrgbClr r="0" g="0" b="0"/>
+        </a:effectRef>
+        <a:fontRef idx="minor">
+          <a:schemeClr val="lt1"/>
+        </a:fontRef>
+      </dsp:style>
+    </dsp:sp>
+    <dsp:sp modelId="{3382167D-3C5E-4800-8A1C-F82F8D949528}">
+      <dsp:nvSpPr>
+        <dsp:cNvPr id="0" name=""/>
+        <dsp:cNvSpPr/>
+      </dsp:nvSpPr>
+      <dsp:spPr>
+        <a:xfrm>
+          <a:off x="1173431" y="208440"/>
+          <a:ext cx="181747" cy="181747"/>
+        </a:xfrm>
+        <a:prstGeom prst="ellipse">
+          <a:avLst/>
+        </a:prstGeom>
+        <a:solidFill>
+          <a:schemeClr val="accent1">
+            <a:hueOff val="0"/>
+            <a:satOff val="0"/>
+            <a:lumOff val="0"/>
+            <a:alphaOff val="0"/>
+          </a:schemeClr>
+        </a:solidFill>
+        <a:ln>
+          <a:noFill/>
+        </a:ln>
+        <a:effectLst/>
+        <a:scene3d>
+          <a:camera prst="orthographicFront"/>
+          <a:lightRig rig="threePt" dir="t">
+            <a:rot lat="0" lon="0" rev="7500000"/>
+          </a:lightRig>
+        </a:scene3d>
+        <a:sp3d prstMaterial="plastic">
+          <a:bevelT w="127000" h="25400" prst="relaxedInset"/>
+        </a:sp3d>
+      </dsp:spPr>
+      <dsp:style>
+        <a:lnRef idx="0">
+          <a:scrgbClr r="0" g="0" b="0"/>
+        </a:lnRef>
+        <a:fillRef idx="3">
+          <a:scrgbClr r="0" g="0" b="0"/>
+        </a:fillRef>
+        <a:effectRef idx="2">
+          <a:scrgbClr r="0" g="0" b="0"/>
+        </a:effectRef>
+        <a:fontRef idx="minor">
+          <a:schemeClr val="lt1"/>
+        </a:fontRef>
+      </dsp:style>
+    </dsp:sp>
+    <dsp:sp modelId="{82EEED91-CCBD-47AC-B4CF-24C3A94EAC42}">
+      <dsp:nvSpPr>
+        <dsp:cNvPr id="0" name=""/>
+        <dsp:cNvSpPr/>
+      </dsp:nvSpPr>
+      <dsp:spPr>
+        <a:xfrm>
+          <a:off x="1580545" y="386553"/>
+          <a:ext cx="181747" cy="181747"/>
+        </a:xfrm>
+        <a:prstGeom prst="ellipse">
+          <a:avLst/>
+        </a:prstGeom>
+        <a:solidFill>
+          <a:schemeClr val="accent1">
+            <a:hueOff val="0"/>
+            <a:satOff val="0"/>
+            <a:lumOff val="0"/>
+            <a:alphaOff val="0"/>
+          </a:schemeClr>
+        </a:solidFill>
+        <a:ln>
+          <a:noFill/>
+        </a:ln>
+        <a:effectLst/>
+        <a:scene3d>
+          <a:camera prst="orthographicFront"/>
+          <a:lightRig rig="threePt" dir="t">
+            <a:rot lat="0" lon="0" rev="7500000"/>
+          </a:lightRig>
+        </a:scene3d>
+        <a:sp3d prstMaterial="plastic">
+          <a:bevelT w="127000" h="25400" prst="relaxedInset"/>
+        </a:sp3d>
+      </dsp:spPr>
+      <dsp:style>
+        <a:lnRef idx="0">
+          <a:scrgbClr r="0" g="0" b="0"/>
+        </a:lnRef>
+        <a:fillRef idx="3">
+          <a:scrgbClr r="0" g="0" b="0"/>
+        </a:fillRef>
+        <a:effectRef idx="2">
+          <a:scrgbClr r="0" g="0" b="0"/>
+        </a:effectRef>
+        <a:fontRef idx="minor">
+          <a:schemeClr val="lt1"/>
+        </a:fontRef>
+      </dsp:style>
+    </dsp:sp>
+    <dsp:sp modelId="{3AFE6E28-4143-4E44-BDC5-6912FC08476C}">
+      <dsp:nvSpPr>
+        <dsp:cNvPr id="0" name=""/>
+        <dsp:cNvSpPr/>
+      </dsp:nvSpPr>
+      <dsp:spPr>
+        <a:xfrm>
+          <a:off x="1834992" y="513776"/>
+          <a:ext cx="285603" cy="285603"/>
+        </a:xfrm>
+        <a:prstGeom prst="ellipse">
+          <a:avLst/>
+        </a:prstGeom>
+        <a:solidFill>
+          <a:schemeClr val="accent1">
+            <a:hueOff val="0"/>
+            <a:satOff val="0"/>
+            <a:lumOff val="0"/>
+            <a:alphaOff val="0"/>
+          </a:schemeClr>
+        </a:solidFill>
+        <a:ln>
+          <a:noFill/>
+        </a:ln>
+        <a:effectLst/>
+        <a:scene3d>
+          <a:camera prst="orthographicFront"/>
+          <a:lightRig rig="threePt" dir="t">
+            <a:rot lat="0" lon="0" rev="7500000"/>
+          </a:lightRig>
+        </a:scene3d>
+        <a:sp3d prstMaterial="plastic">
+          <a:bevelT w="127000" h="25400" prst="relaxedInset"/>
+        </a:sp3d>
+      </dsp:spPr>
+      <dsp:style>
+        <a:lnRef idx="0">
+          <a:scrgbClr r="0" g="0" b="0"/>
+        </a:lnRef>
+        <a:fillRef idx="3">
+          <a:scrgbClr r="0" g="0" b="0"/>
+        </a:fillRef>
+        <a:effectRef idx="2">
+          <a:scrgbClr r="0" g="0" b="0"/>
+        </a:effectRef>
+        <a:fontRef idx="minor">
+          <a:schemeClr val="lt1"/>
+        </a:fontRef>
+      </dsp:style>
+    </dsp:sp>
+    <dsp:sp modelId="{F5E56393-E667-4366-B7B7-3C0C77BCB08E}">
+      <dsp:nvSpPr>
+        <dsp:cNvPr id="0" name=""/>
+        <dsp:cNvSpPr/>
+      </dsp:nvSpPr>
+      <dsp:spPr>
+        <a:xfrm>
+          <a:off x="2191217" y="793668"/>
+          <a:ext cx="181747" cy="181747"/>
+        </a:xfrm>
+        <a:prstGeom prst="ellipse">
+          <a:avLst/>
+        </a:prstGeom>
+        <a:solidFill>
+          <a:schemeClr val="accent1">
+            <a:hueOff val="0"/>
+            <a:satOff val="0"/>
+            <a:lumOff val="0"/>
+            <a:alphaOff val="0"/>
+          </a:schemeClr>
+        </a:solidFill>
+        <a:ln>
+          <a:noFill/>
+        </a:ln>
+        <a:effectLst/>
+        <a:scene3d>
+          <a:camera prst="orthographicFront"/>
+          <a:lightRig rig="threePt" dir="t">
+            <a:rot lat="0" lon="0" rev="7500000"/>
+          </a:lightRig>
+        </a:scene3d>
+        <a:sp3d prstMaterial="plastic">
+          <a:bevelT w="127000" h="25400" prst="relaxedInset"/>
+        </a:sp3d>
+      </dsp:spPr>
+      <dsp:style>
+        <a:lnRef idx="0">
+          <a:scrgbClr r="0" g="0" b="0"/>
+        </a:lnRef>
+        <a:fillRef idx="3">
+          <a:scrgbClr r="0" g="0" b="0"/>
+        </a:fillRef>
+        <a:effectRef idx="2">
+          <a:scrgbClr r="0" g="0" b="0"/>
+        </a:effectRef>
+        <a:fontRef idx="minor">
+          <a:schemeClr val="lt1"/>
+        </a:fontRef>
+      </dsp:style>
+    </dsp:sp>
+    <dsp:sp modelId="{9EB17CD6-4477-406E-B5B4-6E43121853F8}">
+      <dsp:nvSpPr>
+        <dsp:cNvPr id="0" name=""/>
+        <dsp:cNvSpPr/>
+      </dsp:nvSpPr>
+      <dsp:spPr>
+        <a:xfrm>
+          <a:off x="2343885" y="1073559"/>
+          <a:ext cx="181747" cy="181747"/>
+        </a:xfrm>
+        <a:prstGeom prst="ellipse">
+          <a:avLst/>
+        </a:prstGeom>
+        <a:solidFill>
+          <a:schemeClr val="accent1">
+            <a:hueOff val="0"/>
+            <a:satOff val="0"/>
+            <a:lumOff val="0"/>
+            <a:alphaOff val="0"/>
+          </a:schemeClr>
+        </a:solidFill>
+        <a:ln>
+          <a:noFill/>
+        </a:ln>
+        <a:effectLst/>
+        <a:scene3d>
+          <a:camera prst="orthographicFront"/>
+          <a:lightRig rig="threePt" dir="t">
+            <a:rot lat="0" lon="0" rev="7500000"/>
+          </a:lightRig>
+        </a:scene3d>
+        <a:sp3d prstMaterial="plastic">
+          <a:bevelT w="127000" h="25400" prst="relaxedInset"/>
+        </a:sp3d>
+      </dsp:spPr>
+      <dsp:style>
+        <a:lnRef idx="0">
+          <a:scrgbClr r="0" g="0" b="0"/>
+        </a:lnRef>
+        <a:fillRef idx="3">
+          <a:scrgbClr r="0" g="0" b="0"/>
+        </a:fillRef>
+        <a:effectRef idx="2">
+          <a:scrgbClr r="0" g="0" b="0"/>
+        </a:effectRef>
+        <a:fontRef idx="minor">
+          <a:schemeClr val="lt1"/>
+        </a:fontRef>
+      </dsp:style>
+    </dsp:sp>
+    <dsp:sp modelId="{A99A92A7-8786-4861-9175-D6E5E570B5EE}">
+      <dsp:nvSpPr>
+        <dsp:cNvPr id="0" name=""/>
+        <dsp:cNvSpPr/>
+      </dsp:nvSpPr>
+      <dsp:spPr>
+        <a:xfrm>
+          <a:off x="1020763" y="539221"/>
+          <a:ext cx="467351" cy="467351"/>
+        </a:xfrm>
+        <a:prstGeom prst="ellipse">
+          <a:avLst/>
+        </a:prstGeom>
+        <a:solidFill>
+          <a:schemeClr val="accent1">
+            <a:hueOff val="0"/>
+            <a:satOff val="0"/>
+            <a:lumOff val="0"/>
+            <a:alphaOff val="0"/>
+          </a:schemeClr>
+        </a:solidFill>
+        <a:ln>
+          <a:noFill/>
+        </a:ln>
+        <a:effectLst/>
+        <a:scene3d>
+          <a:camera prst="orthographicFront"/>
+          <a:lightRig rig="threePt" dir="t">
+            <a:rot lat="0" lon="0" rev="7500000"/>
+          </a:lightRig>
+        </a:scene3d>
+        <a:sp3d prstMaterial="plastic">
+          <a:bevelT w="127000" h="25400" prst="relaxedInset"/>
+        </a:sp3d>
+      </dsp:spPr>
+      <dsp:style>
+        <a:lnRef idx="0">
+          <a:scrgbClr r="0" g="0" b="0"/>
+        </a:lnRef>
+        <a:fillRef idx="3">
+          <a:scrgbClr r="0" g="0" b="0"/>
+        </a:fillRef>
+        <a:effectRef idx="2">
+          <a:scrgbClr r="0" g="0" b="0"/>
+        </a:effectRef>
+        <a:fontRef idx="minor">
+          <a:schemeClr val="lt1"/>
+        </a:fontRef>
+      </dsp:style>
+    </dsp:sp>
+    <dsp:sp modelId="{F67F52B3-912F-41A1-9FC5-B4895EE09DB7}">
+      <dsp:nvSpPr>
+        <dsp:cNvPr id="0" name=""/>
+        <dsp:cNvSpPr/>
+      </dsp:nvSpPr>
+      <dsp:spPr>
+        <a:xfrm>
+          <a:off x="28421" y="1506118"/>
+          <a:ext cx="181747" cy="181747"/>
+        </a:xfrm>
+        <a:prstGeom prst="ellipse">
+          <a:avLst/>
+        </a:prstGeom>
+        <a:solidFill>
+          <a:schemeClr val="accent1">
+            <a:hueOff val="0"/>
+            <a:satOff val="0"/>
+            <a:lumOff val="0"/>
+            <a:alphaOff val="0"/>
+          </a:schemeClr>
+        </a:solidFill>
+        <a:ln>
+          <a:noFill/>
+        </a:ln>
+        <a:effectLst/>
+        <a:scene3d>
+          <a:camera prst="orthographicFront"/>
+          <a:lightRig rig="threePt" dir="t">
+            <a:rot lat="0" lon="0" rev="7500000"/>
+          </a:lightRig>
+        </a:scene3d>
+        <a:sp3d prstMaterial="plastic">
+          <a:bevelT w="127000" h="25400" prst="relaxedInset"/>
+        </a:sp3d>
+      </dsp:spPr>
+      <dsp:style>
+        <a:lnRef idx="0">
+          <a:scrgbClr r="0" g="0" b="0"/>
+        </a:lnRef>
+        <a:fillRef idx="3">
+          <a:scrgbClr r="0" g="0" b="0"/>
+        </a:fillRef>
+        <a:effectRef idx="2">
+          <a:scrgbClr r="0" g="0" b="0"/>
+        </a:effectRef>
+        <a:fontRef idx="minor">
+          <a:schemeClr val="lt1"/>
+        </a:fontRef>
+      </dsp:style>
+    </dsp:sp>
+    <dsp:sp modelId="{D7B8E378-3FD2-4DCE-9938-B169FA5F5A94}">
+      <dsp:nvSpPr>
+        <dsp:cNvPr id="0" name=""/>
+        <dsp:cNvSpPr/>
+      </dsp:nvSpPr>
+      <dsp:spPr>
+        <a:xfrm>
+          <a:off x="181089" y="1735120"/>
+          <a:ext cx="285603" cy="285603"/>
+        </a:xfrm>
+        <a:prstGeom prst="ellipse">
+          <a:avLst/>
+        </a:prstGeom>
+        <a:solidFill>
+          <a:schemeClr val="accent1">
+            <a:hueOff val="0"/>
+            <a:satOff val="0"/>
+            <a:lumOff val="0"/>
+            <a:alphaOff val="0"/>
+          </a:schemeClr>
+        </a:solidFill>
+        <a:ln>
+          <a:noFill/>
+        </a:ln>
+        <a:effectLst/>
+        <a:scene3d>
+          <a:camera prst="orthographicFront"/>
+          <a:lightRig rig="threePt" dir="t">
+            <a:rot lat="0" lon="0" rev="7500000"/>
+          </a:lightRig>
+        </a:scene3d>
+        <a:sp3d prstMaterial="plastic">
+          <a:bevelT w="127000" h="25400" prst="relaxedInset"/>
+        </a:sp3d>
+      </dsp:spPr>
+      <dsp:style>
+        <a:lnRef idx="0">
+          <a:scrgbClr r="0" g="0" b="0"/>
+        </a:lnRef>
+        <a:fillRef idx="3">
+          <a:scrgbClr r="0" g="0" b="0"/>
+        </a:fillRef>
+        <a:effectRef idx="2">
+          <a:scrgbClr r="0" g="0" b="0"/>
+        </a:effectRef>
+        <a:fontRef idx="minor">
+          <a:schemeClr val="lt1"/>
+        </a:fontRef>
+      </dsp:style>
+    </dsp:sp>
+    <dsp:sp modelId="{5E93CBC1-8319-4A44-82A9-15DC1B7668D8}">
+      <dsp:nvSpPr>
+        <dsp:cNvPr id="0" name=""/>
+        <dsp:cNvSpPr/>
+      </dsp:nvSpPr>
+      <dsp:spPr>
+        <a:xfrm>
+          <a:off x="562759" y="1938678"/>
+          <a:ext cx="415423" cy="415423"/>
+        </a:xfrm>
+        <a:prstGeom prst="ellipse">
+          <a:avLst/>
+        </a:prstGeom>
+        <a:solidFill>
+          <a:schemeClr val="accent1">
+            <a:hueOff val="0"/>
+            <a:satOff val="0"/>
+            <a:lumOff val="0"/>
+            <a:alphaOff val="0"/>
+          </a:schemeClr>
+        </a:solidFill>
+        <a:ln>
+          <a:noFill/>
+        </a:ln>
+        <a:effectLst/>
+        <a:scene3d>
+          <a:camera prst="orthographicFront"/>
+          <a:lightRig rig="threePt" dir="t">
+            <a:rot lat="0" lon="0" rev="7500000"/>
+          </a:lightRig>
+        </a:scene3d>
+        <a:sp3d prstMaterial="plastic">
+          <a:bevelT w="127000" h="25400" prst="relaxedInset"/>
+        </a:sp3d>
+      </dsp:spPr>
+      <dsp:style>
+        <a:lnRef idx="0">
+          <a:scrgbClr r="0" g="0" b="0"/>
+        </a:lnRef>
+        <a:fillRef idx="3">
+          <a:scrgbClr r="0" g="0" b="0"/>
+        </a:fillRef>
+        <a:effectRef idx="2">
+          <a:scrgbClr r="0" g="0" b="0"/>
+        </a:effectRef>
+        <a:fontRef idx="minor">
+          <a:schemeClr val="lt1"/>
+        </a:fontRef>
+      </dsp:style>
+    </dsp:sp>
+    <dsp:sp modelId="{05AF71BA-FD56-4DC4-81D6-8513D8A16176}">
+      <dsp:nvSpPr>
+        <dsp:cNvPr id="0" name=""/>
+        <dsp:cNvSpPr/>
+      </dsp:nvSpPr>
+      <dsp:spPr>
+        <a:xfrm>
+          <a:off x="1097097" y="2269458"/>
+          <a:ext cx="181747" cy="181747"/>
+        </a:xfrm>
+        <a:prstGeom prst="ellipse">
+          <a:avLst/>
+        </a:prstGeom>
+        <a:solidFill>
+          <a:schemeClr val="accent1">
+            <a:hueOff val="0"/>
+            <a:satOff val="0"/>
+            <a:lumOff val="0"/>
+            <a:alphaOff val="0"/>
+          </a:schemeClr>
+        </a:solidFill>
+        <a:ln>
+          <a:noFill/>
+        </a:ln>
+        <a:effectLst/>
+        <a:scene3d>
+          <a:camera prst="orthographicFront"/>
+          <a:lightRig rig="threePt" dir="t">
+            <a:rot lat="0" lon="0" rev="7500000"/>
+          </a:lightRig>
+        </a:scene3d>
+        <a:sp3d prstMaterial="plastic">
+          <a:bevelT w="127000" h="25400" prst="relaxedInset"/>
+        </a:sp3d>
+      </dsp:spPr>
+      <dsp:style>
+        <a:lnRef idx="0">
+          <a:scrgbClr r="0" g="0" b="0"/>
+        </a:lnRef>
+        <a:fillRef idx="3">
+          <a:scrgbClr r="0" g="0" b="0"/>
+        </a:fillRef>
+        <a:effectRef idx="2">
+          <a:scrgbClr r="0" g="0" b="0"/>
+        </a:effectRef>
+        <a:fontRef idx="minor">
+          <a:schemeClr val="lt1"/>
+        </a:fontRef>
+      </dsp:style>
+    </dsp:sp>
+    <dsp:sp modelId="{6DF58139-AC4A-4B7C-87C9-F08EE08C4399}">
+      <dsp:nvSpPr>
+        <dsp:cNvPr id="0" name=""/>
+        <dsp:cNvSpPr/>
+      </dsp:nvSpPr>
+      <dsp:spPr>
+        <a:xfrm>
+          <a:off x="1198875" y="1938678"/>
+          <a:ext cx="285603" cy="285603"/>
+        </a:xfrm>
+        <a:prstGeom prst="ellipse">
+          <a:avLst/>
+        </a:prstGeom>
+        <a:solidFill>
+          <a:schemeClr val="accent1">
+            <a:hueOff val="0"/>
+            <a:satOff val="0"/>
+            <a:lumOff val="0"/>
+            <a:alphaOff val="0"/>
+          </a:schemeClr>
+        </a:solidFill>
+        <a:ln>
+          <a:noFill/>
+        </a:ln>
+        <a:effectLst/>
+        <a:scene3d>
+          <a:camera prst="orthographicFront"/>
+          <a:lightRig rig="threePt" dir="t">
+            <a:rot lat="0" lon="0" rev="7500000"/>
+          </a:lightRig>
+        </a:scene3d>
+        <a:sp3d prstMaterial="plastic">
+          <a:bevelT w="127000" h="25400" prst="relaxedInset"/>
+        </a:sp3d>
+      </dsp:spPr>
+      <dsp:style>
+        <a:lnRef idx="0">
+          <a:scrgbClr r="0" g="0" b="0"/>
+        </a:lnRef>
+        <a:fillRef idx="3">
+          <a:scrgbClr r="0" g="0" b="0"/>
+        </a:fillRef>
+        <a:effectRef idx="2">
+          <a:scrgbClr r="0" g="0" b="0"/>
+        </a:effectRef>
+        <a:fontRef idx="minor">
+          <a:schemeClr val="lt1"/>
+        </a:fontRef>
+      </dsp:style>
+    </dsp:sp>
+    <dsp:sp modelId="{A9444372-B5FE-45F2-AC76-6F2B695F6772}">
+      <dsp:nvSpPr>
+        <dsp:cNvPr id="0" name=""/>
+        <dsp:cNvSpPr/>
+      </dsp:nvSpPr>
+      <dsp:spPr>
+        <a:xfrm>
+          <a:off x="1453322" y="2294903"/>
+          <a:ext cx="181747" cy="181747"/>
+        </a:xfrm>
+        <a:prstGeom prst="ellipse">
+          <a:avLst/>
+        </a:prstGeom>
+        <a:solidFill>
+          <a:schemeClr val="accent1">
+            <a:hueOff val="0"/>
+            <a:satOff val="0"/>
+            <a:lumOff val="0"/>
+            <a:alphaOff val="0"/>
+          </a:schemeClr>
+        </a:solidFill>
+        <a:ln>
+          <a:noFill/>
+        </a:ln>
+        <a:effectLst/>
+        <a:scene3d>
+          <a:camera prst="orthographicFront"/>
+          <a:lightRig rig="threePt" dir="t">
+            <a:rot lat="0" lon="0" rev="7500000"/>
+          </a:lightRig>
+        </a:scene3d>
+        <a:sp3d prstMaterial="plastic">
+          <a:bevelT w="127000" h="25400" prst="relaxedInset"/>
+        </a:sp3d>
+      </dsp:spPr>
+      <dsp:style>
+        <a:lnRef idx="0">
+          <a:scrgbClr r="0" g="0" b="0"/>
+        </a:lnRef>
+        <a:fillRef idx="3">
+          <a:scrgbClr r="0" g="0" b="0"/>
+        </a:fillRef>
+        <a:effectRef idx="2">
+          <a:scrgbClr r="0" g="0" b="0"/>
+        </a:effectRef>
+        <a:fontRef idx="minor">
+          <a:schemeClr val="lt1"/>
+        </a:fontRef>
+      </dsp:style>
+    </dsp:sp>
+    <dsp:sp modelId="{9100C608-1DC6-42E8-A342-34ADD4F24557}">
+      <dsp:nvSpPr>
+        <dsp:cNvPr id="0" name=""/>
+        <dsp:cNvSpPr/>
+      </dsp:nvSpPr>
+      <dsp:spPr>
+        <a:xfrm>
+          <a:off x="1682324" y="1887788"/>
+          <a:ext cx="415423" cy="415423"/>
+        </a:xfrm>
+        <a:prstGeom prst="ellipse">
+          <a:avLst/>
+        </a:prstGeom>
+        <a:solidFill>
+          <a:schemeClr val="accent1">
+            <a:hueOff val="0"/>
+            <a:satOff val="0"/>
+            <a:lumOff val="0"/>
+            <a:alphaOff val="0"/>
+          </a:schemeClr>
+        </a:solidFill>
+        <a:ln>
+          <a:noFill/>
+        </a:ln>
+        <a:effectLst/>
+        <a:scene3d>
+          <a:camera prst="orthographicFront"/>
+          <a:lightRig rig="threePt" dir="t">
+            <a:rot lat="0" lon="0" rev="7500000"/>
+          </a:lightRig>
+        </a:scene3d>
+        <a:sp3d prstMaterial="plastic">
+          <a:bevelT w="127000" h="25400" prst="relaxedInset"/>
+        </a:sp3d>
+      </dsp:spPr>
+      <dsp:style>
+        <a:lnRef idx="0">
+          <a:scrgbClr r="0" g="0" b="0"/>
+        </a:lnRef>
+        <a:fillRef idx="3">
+          <a:scrgbClr r="0" g="0" b="0"/>
+        </a:fillRef>
+        <a:effectRef idx="2">
+          <a:scrgbClr r="0" g="0" b="0"/>
+        </a:effectRef>
+        <a:fontRef idx="minor">
+          <a:schemeClr val="lt1"/>
+        </a:fontRef>
+      </dsp:style>
+    </dsp:sp>
+    <dsp:sp modelId="{C9BE3636-61F4-4C2F-9155-A2454FBE951D}">
+      <dsp:nvSpPr>
+        <dsp:cNvPr id="0" name=""/>
+        <dsp:cNvSpPr/>
+      </dsp:nvSpPr>
+      <dsp:spPr>
+        <a:xfrm>
+          <a:off x="2242107" y="1786010"/>
+          <a:ext cx="285603" cy="285603"/>
+        </a:xfrm>
+        <a:prstGeom prst="ellipse">
+          <a:avLst/>
+        </a:prstGeom>
+        <a:solidFill>
+          <a:schemeClr val="accent1">
+            <a:hueOff val="0"/>
+            <a:satOff val="0"/>
+            <a:lumOff val="0"/>
+            <a:alphaOff val="0"/>
+          </a:schemeClr>
+        </a:solidFill>
+        <a:ln>
+          <a:noFill/>
+        </a:ln>
+        <a:effectLst/>
+        <a:scene3d>
+          <a:camera prst="orthographicFront"/>
+          <a:lightRig rig="threePt" dir="t">
+            <a:rot lat="0" lon="0" rev="7500000"/>
+          </a:lightRig>
+        </a:scene3d>
+        <a:sp3d prstMaterial="plastic">
+          <a:bevelT w="127000" h="25400" prst="relaxedInset"/>
+        </a:sp3d>
+      </dsp:spPr>
+      <dsp:style>
+        <a:lnRef idx="0">
+          <a:scrgbClr r="0" g="0" b="0"/>
+        </a:lnRef>
+        <a:fillRef idx="3">
+          <a:scrgbClr r="0" g="0" b="0"/>
+        </a:fillRef>
+        <a:effectRef idx="2">
+          <a:scrgbClr r="0" g="0" b="0"/>
+        </a:effectRef>
+        <a:fontRef idx="minor">
+          <a:schemeClr val="lt1"/>
+        </a:fontRef>
+      </dsp:style>
+    </dsp:sp>
+    <dsp:sp modelId="{BC96A45A-3149-42EA-9422-AF4275D3277D}">
+      <dsp:nvSpPr>
+        <dsp:cNvPr id="0" name=""/>
+        <dsp:cNvSpPr/>
+      </dsp:nvSpPr>
+      <dsp:spPr>
+        <a:xfrm>
+          <a:off x="2527710" y="589687"/>
+          <a:ext cx="838776" cy="1601316"/>
+        </a:xfrm>
+        <a:prstGeom prst="chevron">
+          <a:avLst>
+            <a:gd name="adj" fmla="val 62310"/>
+          </a:avLst>
+        </a:prstGeom>
+        <a:solidFill>
+          <a:schemeClr val="bg1">
+            <a:lumMod val="50000"/>
+          </a:schemeClr>
+        </a:solidFill>
+        <a:ln>
+          <a:noFill/>
+        </a:ln>
+        <a:effectLst/>
+        <a:scene3d>
+          <a:camera prst="orthographicFront"/>
+          <a:lightRig rig="threePt" dir="t">
+            <a:rot lat="0" lon="0" rev="7500000"/>
+          </a:lightRig>
+        </a:scene3d>
+        <a:sp3d z="-70000" extrusionH="63500" prstMaterial="matte">
+          <a:bevelT w="25400" h="6350" prst="relaxedInset"/>
+          <a:contourClr>
+            <a:schemeClr val="bg1"/>
+          </a:contourClr>
+        </a:sp3d>
+      </dsp:spPr>
+      <dsp:style>
+        <a:lnRef idx="0">
+          <a:scrgbClr r="0" g="0" b="0"/>
+        </a:lnRef>
+        <a:fillRef idx="1">
+          <a:scrgbClr r="0" g="0" b="0"/>
+        </a:fillRef>
+        <a:effectRef idx="2">
+          <a:scrgbClr r="0" g="0" b="0"/>
+        </a:effectRef>
+        <a:fontRef idx="minor">
+          <a:schemeClr val="lt1"/>
+        </a:fontRef>
+      </dsp:style>
+    </dsp:sp>
+    <dsp:sp modelId="{9D3A3B6C-6E2B-4CE4-AB26-5A5B3DBDF995}">
+      <dsp:nvSpPr>
+        <dsp:cNvPr id="0" name=""/>
+        <dsp:cNvSpPr/>
+      </dsp:nvSpPr>
+      <dsp:spPr>
+        <a:xfrm>
+          <a:off x="3366487" y="590465"/>
+          <a:ext cx="2287572" cy="1601300"/>
+        </a:xfrm>
+        <a:prstGeom prst="rect">
+          <a:avLst/>
+        </a:prstGeom>
+        <a:noFill/>
+        <a:ln>
+          <a:noFill/>
+        </a:ln>
+        <a:effectLst/>
+      </dsp:spPr>
+      <dsp:style>
+        <a:lnRef idx="0">
+          <a:scrgbClr r="0" g="0" b="0"/>
+        </a:lnRef>
+        <a:fillRef idx="0">
+          <a:scrgbClr r="0" g="0" b="0"/>
+        </a:fillRef>
+        <a:effectRef idx="0">
+          <a:scrgbClr r="0" g="0" b="0"/>
+        </a:effectRef>
+        <a:fontRef idx="minor"/>
+      </dsp:style>
+      <dsp:txBody>
+        <a:bodyPr spcFirstLastPara="0" vert="horz" wrap="square" lIns="48260" tIns="48260" rIns="48260" bIns="48260" numCol="1" spcCol="1270" anchor="ctr" anchorCtr="0">
+          <a:noAutofit/>
+        </a:bodyPr>
+        <a:lstStyle/>
+        <a:p>
+          <a:pPr lvl="0" algn="ctr" defTabSz="1689100">
+            <a:lnSpc>
+              <a:spcPct val="90000"/>
+            </a:lnSpc>
+            <a:spcBef>
+              <a:spcPct val="0"/>
+            </a:spcBef>
+            <a:spcAft>
+              <a:spcPct val="35000"/>
+            </a:spcAft>
+          </a:pPr>
+          <a:r>
+            <a:rPr lang="en-US" sz="3800" kern="1200" dirty="0" smtClean="0"/>
+            <a:t>is an</a:t>
+          </a:r>
+          <a:endParaRPr lang="en-US" sz="3800" kern="1200" dirty="0"/>
+        </a:p>
+      </dsp:txBody>
+      <dsp:txXfrm>
+        <a:off x="3366487" y="590465"/>
+        <a:ext cx="2287572" cy="1601300"/>
+      </dsp:txXfrm>
+    </dsp:sp>
+    <dsp:sp modelId="{88944793-F90B-4500-8128-B6D26CB5FEAF}">
+      <dsp:nvSpPr>
+        <dsp:cNvPr id="0" name=""/>
+        <dsp:cNvSpPr/>
+      </dsp:nvSpPr>
+      <dsp:spPr>
+        <a:xfrm>
+          <a:off x="5654059" y="589687"/>
+          <a:ext cx="838776" cy="1601316"/>
+        </a:xfrm>
+        <a:prstGeom prst="chevron">
+          <a:avLst>
+            <a:gd name="adj" fmla="val 62310"/>
+          </a:avLst>
+        </a:prstGeom>
+        <a:solidFill>
+          <a:schemeClr val="bg1">
+            <a:lumMod val="50000"/>
+          </a:schemeClr>
+        </a:solidFill>
+        <a:ln>
+          <a:noFill/>
+        </a:ln>
+        <a:effectLst/>
+        <a:scene3d>
+          <a:camera prst="orthographicFront"/>
+          <a:lightRig rig="threePt" dir="t">
+            <a:rot lat="0" lon="0" rev="7500000"/>
+          </a:lightRig>
+        </a:scene3d>
+        <a:sp3d z="-70000" extrusionH="63500" prstMaterial="matte">
+          <a:bevelT w="25400" h="6350" prst="relaxedInset"/>
+          <a:contourClr>
+            <a:schemeClr val="bg1"/>
+          </a:contourClr>
+        </a:sp3d>
+      </dsp:spPr>
+      <dsp:style>
+        <a:lnRef idx="0">
+          <a:scrgbClr r="0" g="0" b="0"/>
+        </a:lnRef>
+        <a:fillRef idx="1">
+          <a:scrgbClr r="0" g="0" b="0"/>
+        </a:fillRef>
+        <a:effectRef idx="2">
+          <a:scrgbClr r="0" g="0" b="0"/>
+        </a:effectRef>
+        <a:fontRef idx="minor">
+          <a:schemeClr val="lt1"/>
+        </a:fontRef>
+      </dsp:style>
+    </dsp:sp>
+    <dsp:sp modelId="{226B20CA-2DC3-4A39-8225-FD351D637B04}">
+      <dsp:nvSpPr>
+        <dsp:cNvPr id="0" name=""/>
+        <dsp:cNvSpPr/>
+      </dsp:nvSpPr>
+      <dsp:spPr>
+        <a:xfrm>
+          <a:off x="6584339" y="457351"/>
+          <a:ext cx="1944436" cy="1944436"/>
+        </a:xfrm>
+        <a:prstGeom prst="ellipse">
+          <a:avLst/>
+        </a:prstGeom>
+        <a:solidFill>
+          <a:schemeClr val="accent1">
+            <a:hueOff val="0"/>
+            <a:satOff val="0"/>
+            <a:lumOff val="0"/>
+            <a:alphaOff val="0"/>
+          </a:schemeClr>
+        </a:solidFill>
+        <a:ln>
+          <a:noFill/>
+        </a:ln>
+        <a:effectLst/>
+        <a:scene3d>
+          <a:camera prst="orthographicFront"/>
+          <a:lightRig rig="threePt" dir="t">
+            <a:rot lat="0" lon="0" rev="7500000"/>
+          </a:lightRig>
+        </a:scene3d>
+        <a:sp3d prstMaterial="plastic">
+          <a:bevelT w="127000" h="25400" prst="relaxedInset"/>
+        </a:sp3d>
+      </dsp:spPr>
+      <dsp:style>
+        <a:lnRef idx="0">
+          <a:scrgbClr r="0" g="0" b="0"/>
+        </a:lnRef>
+        <a:fillRef idx="3">
+          <a:scrgbClr r="0" g="0" b="0"/>
+        </a:fillRef>
+        <a:effectRef idx="2">
+          <a:scrgbClr r="0" g="0" b="0"/>
+        </a:effectRef>
+        <a:fontRef idx="minor">
+          <a:schemeClr val="lt1"/>
+        </a:fontRef>
+      </dsp:style>
+      <dsp:txBody>
+        <a:bodyPr spcFirstLastPara="0" vert="horz" wrap="square" lIns="0" tIns="0" rIns="0" bIns="0" numCol="1" spcCol="1270" anchor="ctr" anchorCtr="0">
+          <a:noAutofit/>
+        </a:bodyPr>
+        <a:lstStyle/>
+        <a:p>
+          <a:pPr lvl="0" algn="ctr" defTabSz="1689100">
+            <a:lnSpc>
+              <a:spcPct val="90000"/>
+            </a:lnSpc>
+            <a:spcBef>
+              <a:spcPct val="0"/>
+            </a:spcBef>
+            <a:spcAft>
+              <a:spcPct val="35000"/>
+            </a:spcAft>
+          </a:pPr>
+          <a:r>
+            <a:rPr lang="en-US" sz="3800" kern="1200" dirty="0" smtClean="0"/>
+            <a:t>Actor</a:t>
+          </a:r>
+          <a:endParaRPr lang="en-US" sz="3800" kern="1200" dirty="0"/>
+        </a:p>
+      </dsp:txBody>
+      <dsp:txXfrm>
+        <a:off x="6869095" y="742107"/>
+        <a:ext cx="1374924" cy="1374924"/>
+      </dsp:txXfrm>
+    </dsp:sp>
   </dsp:spTree>
 </dsp:drawing>
 </file>
@@ -4793,6 +5984,418 @@
       <dsp:cNvGrpSpPr/>
     </dsp:nvGrpSpPr>
     <dsp:grpSpPr/>
+    <dsp:sp modelId="{2E37B686-9C7B-4080-8C57-285D0941DC9D}">
+      <dsp:nvSpPr>
+        <dsp:cNvPr id="0" name=""/>
+        <dsp:cNvSpPr/>
+      </dsp:nvSpPr>
+      <dsp:spPr>
+        <a:xfrm>
+          <a:off x="-6029554" y="-922847"/>
+          <a:ext cx="7179696" cy="7179696"/>
+        </a:xfrm>
+        <a:prstGeom prst="blockArc">
+          <a:avLst>
+            <a:gd name="adj1" fmla="val 18900000"/>
+            <a:gd name="adj2" fmla="val 2700000"/>
+            <a:gd name="adj3" fmla="val 301"/>
+          </a:avLst>
+        </a:prstGeom>
+        <a:noFill/>
+        <a:ln w="10795" cap="flat" cmpd="sng" algn="ctr">
+          <a:solidFill>
+            <a:srgbClr val="6E8891"/>
+          </a:solidFill>
+          <a:prstDash val="solid"/>
+        </a:ln>
+        <a:effectLst/>
+      </dsp:spPr>
+      <dsp:style>
+        <a:lnRef idx="2">
+          <a:scrgbClr r="0" g="0" b="0"/>
+        </a:lnRef>
+        <a:fillRef idx="0">
+          <a:scrgbClr r="0" g="0" b="0"/>
+        </a:fillRef>
+        <a:effectRef idx="0">
+          <a:scrgbClr r="0" g="0" b="0"/>
+        </a:effectRef>
+        <a:fontRef idx="minor"/>
+      </dsp:style>
+    </dsp:sp>
+    <dsp:sp modelId="{BB589093-F445-431E-8BFE-89A2D03A438F}">
+      <dsp:nvSpPr>
+        <dsp:cNvPr id="0" name=""/>
+        <dsp:cNvSpPr/>
+      </dsp:nvSpPr>
+      <dsp:spPr>
+        <a:xfrm>
+          <a:off x="740359" y="533400"/>
+          <a:ext cx="8337969" cy="1066800"/>
+        </a:xfrm>
+        <a:prstGeom prst="rect">
+          <a:avLst/>
+        </a:prstGeom>
+        <a:solidFill>
+          <a:schemeClr val="bg1">
+            <a:lumMod val="75000"/>
+            <a:alpha val="85000"/>
+          </a:schemeClr>
+        </a:solidFill>
+        <a:ln w="10795" cap="flat" cmpd="sng" algn="ctr">
+          <a:solidFill>
+            <a:srgbClr val="6E8891"/>
+          </a:solidFill>
+          <a:prstDash val="solid"/>
+        </a:ln>
+        <a:effectLst/>
+      </dsp:spPr>
+      <dsp:style>
+        <a:lnRef idx="2">
+          <a:scrgbClr r="0" g="0" b="0"/>
+        </a:lnRef>
+        <a:fillRef idx="1">
+          <a:scrgbClr r="0" g="0" b="0"/>
+        </a:fillRef>
+        <a:effectRef idx="0">
+          <a:scrgbClr r="0" g="0" b="0"/>
+        </a:effectRef>
+        <a:fontRef idx="minor">
+          <a:schemeClr val="lt1"/>
+        </a:fontRef>
+      </dsp:style>
+      <dsp:txBody>
+        <a:bodyPr spcFirstLastPara="0" vert="horz" wrap="square" lIns="846773" tIns="81280" rIns="81280" bIns="81280" numCol="1" spcCol="1270" anchor="ctr" anchorCtr="0">
+          <a:noAutofit/>
+        </a:bodyPr>
+        <a:lstStyle/>
+        <a:p>
+          <a:pPr lvl="0" algn="l" defTabSz="1422400">
+            <a:lnSpc>
+              <a:spcPct val="90000"/>
+            </a:lnSpc>
+            <a:spcBef>
+              <a:spcPct val="0"/>
+            </a:spcBef>
+            <a:spcAft>
+              <a:spcPct val="35000"/>
+            </a:spcAft>
+          </a:pPr>
+          <a:r>
+            <a:rPr lang="en-US" sz="3200" kern="1200" dirty="0" smtClean="0">
+              <a:solidFill>
+                <a:schemeClr val="tx2">
+                  <a:lumMod val="75000"/>
+                </a:schemeClr>
+              </a:solidFill>
+            </a:rPr>
+            <a:t>Determine what to do with the next incoming message</a:t>
+          </a:r>
+          <a:endParaRPr lang="en-US" sz="3200" kern="1200" dirty="0">
+            <a:solidFill>
+              <a:schemeClr val="tx2">
+                <a:lumMod val="75000"/>
+              </a:schemeClr>
+            </a:solidFill>
+          </a:endParaRPr>
+        </a:p>
+      </dsp:txBody>
+      <dsp:txXfrm>
+        <a:off x="740359" y="533400"/>
+        <a:ext cx="8337969" cy="1066800"/>
+      </dsp:txXfrm>
+    </dsp:sp>
+    <dsp:sp modelId="{99623AEA-F7B7-424D-8899-FCDF05F89745}">
+      <dsp:nvSpPr>
+        <dsp:cNvPr id="0" name=""/>
+        <dsp:cNvSpPr/>
+      </dsp:nvSpPr>
+      <dsp:spPr>
+        <a:xfrm>
+          <a:off x="73609" y="400050"/>
+          <a:ext cx="1333500" cy="1333500"/>
+        </a:xfrm>
+        <a:prstGeom prst="ellipse">
+          <a:avLst/>
+        </a:prstGeom>
+        <a:solidFill>
+          <a:schemeClr val="bg1">
+            <a:lumMod val="50000"/>
+          </a:schemeClr>
+        </a:solidFill>
+        <a:ln w="10795" cap="flat" cmpd="sng" algn="ctr">
+          <a:solidFill>
+            <a:srgbClr val="6E8891"/>
+          </a:solidFill>
+          <a:prstDash val="solid"/>
+        </a:ln>
+        <a:effectLst/>
+      </dsp:spPr>
+      <dsp:style>
+        <a:lnRef idx="2">
+          <a:scrgbClr r="0" g="0" b="0"/>
+        </a:lnRef>
+        <a:fillRef idx="1">
+          <a:scrgbClr r="0" g="0" b="0"/>
+        </a:fillRef>
+        <a:effectRef idx="0">
+          <a:scrgbClr r="0" g="0" b="0"/>
+        </a:effectRef>
+        <a:fontRef idx="minor"/>
+      </dsp:style>
+    </dsp:sp>
+    <dsp:sp modelId="{D221716B-6F75-4B94-AC5A-5DF502B9BCFC}">
+      <dsp:nvSpPr>
+        <dsp:cNvPr id="0" name=""/>
+        <dsp:cNvSpPr/>
+      </dsp:nvSpPr>
+      <dsp:spPr>
+        <a:xfrm>
+          <a:off x="1128140" y="2133600"/>
+          <a:ext cx="7950187" cy="1066800"/>
+        </a:xfrm>
+        <a:prstGeom prst="rect">
+          <a:avLst/>
+        </a:prstGeom>
+        <a:solidFill>
+          <a:schemeClr val="bg1">
+            <a:lumMod val="75000"/>
+            <a:alpha val="85000"/>
+          </a:schemeClr>
+        </a:solidFill>
+        <a:ln w="10795" cap="flat" cmpd="sng" algn="ctr">
+          <a:solidFill>
+            <a:srgbClr val="6E8891"/>
+          </a:solidFill>
+          <a:prstDash val="solid"/>
+        </a:ln>
+        <a:effectLst/>
+      </dsp:spPr>
+      <dsp:style>
+        <a:lnRef idx="2">
+          <a:scrgbClr r="0" g="0" b="0"/>
+        </a:lnRef>
+        <a:fillRef idx="1">
+          <a:scrgbClr r="0" g="0" b="0"/>
+        </a:fillRef>
+        <a:effectRef idx="0">
+          <a:scrgbClr r="0" g="0" b="0"/>
+        </a:effectRef>
+        <a:fontRef idx="minor">
+          <a:schemeClr val="lt1"/>
+        </a:fontRef>
+      </dsp:style>
+      <dsp:txBody>
+        <a:bodyPr spcFirstLastPara="0" vert="horz" wrap="square" lIns="846773" tIns="81280" rIns="81280" bIns="81280" numCol="1" spcCol="1270" anchor="ctr" anchorCtr="0">
+          <a:noAutofit/>
+        </a:bodyPr>
+        <a:lstStyle/>
+        <a:p>
+          <a:pPr lvl="0" algn="l" defTabSz="1422400">
+            <a:lnSpc>
+              <a:spcPct val="90000"/>
+            </a:lnSpc>
+            <a:spcBef>
+              <a:spcPct val="0"/>
+            </a:spcBef>
+            <a:spcAft>
+              <a:spcPct val="35000"/>
+            </a:spcAft>
+          </a:pPr>
+          <a:r>
+            <a:rPr lang="en-US" sz="3200" kern="1200" smtClean="0">
+              <a:solidFill>
+                <a:schemeClr val="tx2">
+                  <a:lumMod val="75000"/>
+                </a:schemeClr>
+              </a:solidFill>
+            </a:rPr>
+            <a:t>Create </a:t>
+          </a:r>
+          <a:r>
+            <a:rPr lang="en-US" sz="3200" kern="1200" dirty="0" smtClean="0">
+              <a:solidFill>
+                <a:schemeClr val="tx2">
+                  <a:lumMod val="75000"/>
+                </a:schemeClr>
+              </a:solidFill>
+            </a:rPr>
+            <a:t>more actors</a:t>
+          </a:r>
+          <a:endParaRPr lang="en-US" sz="3200" kern="1200" dirty="0">
+            <a:solidFill>
+              <a:schemeClr val="tx2">
+                <a:lumMod val="75000"/>
+              </a:schemeClr>
+            </a:solidFill>
+          </a:endParaRPr>
+        </a:p>
+      </dsp:txBody>
+      <dsp:txXfrm>
+        <a:off x="1128140" y="2133600"/>
+        <a:ext cx="7950187" cy="1066800"/>
+      </dsp:txXfrm>
+    </dsp:sp>
+    <dsp:sp modelId="{9EDB11B3-6703-4A77-AE8C-106FD6DC8848}">
+      <dsp:nvSpPr>
+        <dsp:cNvPr id="0" name=""/>
+        <dsp:cNvSpPr/>
+      </dsp:nvSpPr>
+      <dsp:spPr>
+        <a:xfrm>
+          <a:off x="461390" y="2000250"/>
+          <a:ext cx="1333500" cy="1333500"/>
+        </a:xfrm>
+        <a:prstGeom prst="ellipse">
+          <a:avLst/>
+        </a:prstGeom>
+        <a:solidFill>
+          <a:schemeClr val="bg1">
+            <a:lumMod val="50000"/>
+          </a:schemeClr>
+        </a:solidFill>
+        <a:ln w="10795" cap="flat" cmpd="sng" algn="ctr">
+          <a:solidFill>
+            <a:srgbClr val="6E8891"/>
+          </a:solidFill>
+          <a:prstDash val="solid"/>
+        </a:ln>
+        <a:effectLst/>
+      </dsp:spPr>
+      <dsp:style>
+        <a:lnRef idx="2">
+          <a:scrgbClr r="0" g="0" b="0"/>
+        </a:lnRef>
+        <a:fillRef idx="1">
+          <a:scrgbClr r="0" g="0" b="0"/>
+        </a:fillRef>
+        <a:effectRef idx="0">
+          <a:scrgbClr r="0" g="0" b="0"/>
+        </a:effectRef>
+        <a:fontRef idx="minor"/>
+      </dsp:style>
+    </dsp:sp>
+    <dsp:sp modelId="{902D4B7F-8AF1-4461-BD5B-E51A2EF80DB7}">
+      <dsp:nvSpPr>
+        <dsp:cNvPr id="0" name=""/>
+        <dsp:cNvSpPr/>
+      </dsp:nvSpPr>
+      <dsp:spPr>
+        <a:xfrm>
+          <a:off x="740359" y="3733800"/>
+          <a:ext cx="8337969" cy="1066800"/>
+        </a:xfrm>
+        <a:prstGeom prst="rect">
+          <a:avLst/>
+        </a:prstGeom>
+        <a:solidFill>
+          <a:schemeClr val="bg1">
+            <a:lumMod val="75000"/>
+            <a:alpha val="85000"/>
+          </a:schemeClr>
+        </a:solidFill>
+        <a:ln w="10795" cap="flat" cmpd="sng" algn="ctr">
+          <a:solidFill>
+            <a:srgbClr val="6E8891"/>
+          </a:solidFill>
+          <a:prstDash val="solid"/>
+        </a:ln>
+        <a:effectLst/>
+      </dsp:spPr>
+      <dsp:style>
+        <a:lnRef idx="2">
+          <a:scrgbClr r="0" g="0" b="0"/>
+        </a:lnRef>
+        <a:fillRef idx="1">
+          <a:scrgbClr r="0" g="0" b="0"/>
+        </a:fillRef>
+        <a:effectRef idx="0">
+          <a:scrgbClr r="0" g="0" b="0"/>
+        </a:effectRef>
+        <a:fontRef idx="minor">
+          <a:schemeClr val="lt1"/>
+        </a:fontRef>
+      </dsp:style>
+      <dsp:txBody>
+        <a:bodyPr spcFirstLastPara="0" vert="horz" wrap="square" lIns="846773" tIns="81280" rIns="81280" bIns="81280" numCol="1" spcCol="1270" anchor="ctr" anchorCtr="0">
+          <a:noAutofit/>
+        </a:bodyPr>
+        <a:lstStyle/>
+        <a:p>
+          <a:pPr lvl="0" algn="l" defTabSz="1422400">
+            <a:lnSpc>
+              <a:spcPct val="90000"/>
+            </a:lnSpc>
+            <a:spcBef>
+              <a:spcPct val="0"/>
+            </a:spcBef>
+            <a:spcAft>
+              <a:spcPct val="35000"/>
+            </a:spcAft>
+          </a:pPr>
+          <a:r>
+            <a:rPr lang="en-US" sz="3200" kern="1200" dirty="0" smtClean="0">
+              <a:solidFill>
+                <a:schemeClr val="tx2">
+                  <a:lumMod val="75000"/>
+                </a:schemeClr>
+              </a:solidFill>
+            </a:rPr>
+            <a:t>Send messages to another actor</a:t>
+          </a:r>
+          <a:endParaRPr lang="en-US" sz="3200" kern="1200" dirty="0">
+            <a:solidFill>
+              <a:schemeClr val="tx2">
+                <a:lumMod val="75000"/>
+              </a:schemeClr>
+            </a:solidFill>
+          </a:endParaRPr>
+        </a:p>
+      </dsp:txBody>
+      <dsp:txXfrm>
+        <a:off x="740359" y="3733800"/>
+        <a:ext cx="8337969" cy="1066800"/>
+      </dsp:txXfrm>
+    </dsp:sp>
+    <dsp:sp modelId="{82F4B5B5-A5E2-4FE3-A092-6FC5A51A450A}">
+      <dsp:nvSpPr>
+        <dsp:cNvPr id="0" name=""/>
+        <dsp:cNvSpPr/>
+      </dsp:nvSpPr>
+      <dsp:spPr>
+        <a:xfrm>
+          <a:off x="73609" y="3600450"/>
+          <a:ext cx="1333500" cy="1333500"/>
+        </a:xfrm>
+        <a:prstGeom prst="ellipse">
+          <a:avLst/>
+        </a:prstGeom>
+        <a:solidFill>
+          <a:schemeClr val="bg1">
+            <a:lumMod val="50000"/>
+          </a:schemeClr>
+        </a:solidFill>
+        <a:ln w="10795" cap="flat" cmpd="sng" algn="ctr">
+          <a:solidFill>
+            <a:srgbClr val="6E8891"/>
+          </a:solidFill>
+          <a:prstDash val="solid"/>
+        </a:ln>
+        <a:effectLst/>
+      </dsp:spPr>
+      <dsp:style>
+        <a:lnRef idx="2">
+          <a:scrgbClr r="0" g="0" b="0"/>
+        </a:lnRef>
+        <a:fillRef idx="1">
+          <a:scrgbClr r="0" g="0" b="0"/>
+        </a:fillRef>
+        <a:effectRef idx="0">
+          <a:scrgbClr r="0" g="0" b="0"/>
+        </a:effectRef>
+        <a:fontRef idx="minor"/>
+      </dsp:style>
+    </dsp:sp>
   </dsp:spTree>
 </dsp:drawing>
 </file>
@@ -5659,21 +7262,8 @@
                 <a:schemeClr val="bg1"/>
               </a:solidFill>
             </a:rPr>
-            <a:t>F# agents are contained in-process; they are not distributed</a:t>
+            <a:t>F# agents are contained in-process; they are not distributed.</a:t>
           </a:r>
-          <a:r>
-            <a:rPr lang="en-US" sz="2900" kern="1200" dirty="0" smtClean="0">
-              <a:solidFill>
-                <a:schemeClr val="bg1"/>
-              </a:solidFill>
-            </a:rPr>
-            <a:t>.</a:t>
-          </a:r>
-          <a:endParaRPr lang="en-US" sz="2900" kern="1200" dirty="0" smtClean="0">
-            <a:solidFill>
-              <a:schemeClr val="bg1"/>
-            </a:solidFill>
-          </a:endParaRPr>
         </a:p>
       </dsp:txBody>
       <dsp:txXfrm>
@@ -5756,21 +7346,8 @@
                 <a:schemeClr val="bg1"/>
               </a:solidFill>
             </a:rPr>
-            <a:t>Lack of support for supervisors</a:t>
+            <a:t>Lack of support for supervisors.</a:t>
           </a:r>
-          <a:r>
-            <a:rPr lang="en-US" sz="2900" kern="1200" dirty="0" smtClean="0">
-              <a:solidFill>
-                <a:schemeClr val="bg1"/>
-              </a:solidFill>
-            </a:rPr>
-            <a:t>.</a:t>
-          </a:r>
-          <a:endParaRPr lang="en-US" sz="2900" kern="1200" dirty="0" smtClean="0">
-            <a:solidFill>
-              <a:schemeClr val="bg1"/>
-            </a:solidFill>
-          </a:endParaRPr>
         </a:p>
       </dsp:txBody>
       <dsp:txXfrm>
@@ -5853,21 +7430,8 @@
                 <a:schemeClr val="bg1"/>
               </a:solidFill>
             </a:rPr>
-            <a:t>No built-in durable mailboxes</a:t>
+            <a:t>No built-in durable mailboxes.</a:t>
           </a:r>
-          <a:r>
-            <a:rPr lang="en-US" sz="2900" kern="1200" dirty="0" smtClean="0">
-              <a:solidFill>
-                <a:schemeClr val="bg1"/>
-              </a:solidFill>
-            </a:rPr>
-            <a:t>.</a:t>
-          </a:r>
-          <a:endParaRPr lang="en-US" sz="2900" kern="1200" dirty="0" smtClean="0">
-            <a:solidFill>
-              <a:schemeClr val="bg1"/>
-            </a:solidFill>
-          </a:endParaRPr>
         </a:p>
       </dsp:txBody>
       <dsp:txXfrm>
@@ -14421,7 +15985,7 @@
           <a:p>
             <a:fld id="{F5FDDA56-26A9-45CA-92DB-3ECDF3E07D23}" type="datetimeFigureOut">
               <a:rPr lang="en-US" smtClean="0"/>
-              <a:t>9/16/2013</a:t>
+              <a:t>9/17/2013</a:t>
             </a:fld>
             <a:endParaRPr lang="en-US"/>
           </a:p>
@@ -15419,7 +16983,7 @@
           <a:p>
             <a:fld id="{439E3D42-BC8C-48A8-BF09-B3D1FCE3ADA9}" type="datetime1">
               <a:rPr lang="en-US" smtClean="0"/>
-              <a:t>9/16/2013</a:t>
+              <a:t>9/17/2013</a:t>
             </a:fld>
             <a:endParaRPr lang="en-US" dirty="0"/>
           </a:p>
@@ -15646,7 +17210,7 @@
           <a:p>
             <a:fld id="{C7B3822C-3B36-4EBF-A73B-1429053F4584}" type="datetime1">
               <a:rPr lang="en-US" smtClean="0"/>
-              <a:t>9/16/2013</a:t>
+              <a:t>9/17/2013</a:t>
             </a:fld>
             <a:endParaRPr lang="en-US" dirty="0"/>
           </a:p>
@@ -15847,7 +17411,7 @@
           <a:p>
             <a:fld id="{BDE63735-5068-4E72-9C4B-8A5DD0228D73}" type="datetime1">
               <a:rPr lang="en-US" smtClean="0"/>
-              <a:t>9/16/2013</a:t>
+              <a:t>9/17/2013</a:t>
             </a:fld>
             <a:endParaRPr lang="en-US" dirty="0"/>
           </a:p>
@@ -16058,7 +17622,7 @@
           <a:p>
             <a:fld id="{329A7BC1-9504-4855-B5DD-B2E60C013FF1}" type="datetime1">
               <a:rPr lang="en-US" smtClean="0"/>
-              <a:t>9/16/2013</a:t>
+              <a:t>9/17/2013</a:t>
             </a:fld>
             <a:endParaRPr lang="en-US" dirty="0"/>
           </a:p>
@@ -16215,7 +17779,7 @@
           <a:p>
             <a:fld id="{26FD9272-1AB9-4EE3-946C-51DACA81BCAE}" type="datetime1">
               <a:rPr lang="en-US" smtClean="0"/>
-              <a:t>9/16/2013</a:t>
+              <a:t>9/17/2013</a:t>
             </a:fld>
             <a:endParaRPr lang="en-US" dirty="0"/>
           </a:p>
@@ -16526,7 +18090,7 @@
           <a:p>
             <a:fld id="{01597155-45E7-42C0-86F4-39AC64CFCD51}" type="datetime1">
               <a:rPr lang="en-US" smtClean="0"/>
-              <a:t>9/16/2013</a:t>
+              <a:t>9/17/2013</a:t>
             </a:fld>
             <a:endParaRPr lang="en-US" dirty="0"/>
           </a:p>
@@ -17023,7 +18587,7 @@
           <a:p>
             <a:fld id="{8CEC1F47-F9B1-41B4-9B15-B98939EFF635}" type="datetime1">
               <a:rPr lang="en-US" smtClean="0"/>
-              <a:t>9/16/2013</a:t>
+              <a:t>9/17/2013</a:t>
             </a:fld>
             <a:endParaRPr lang="en-US" dirty="0"/>
           </a:p>
@@ -17173,7 +18737,7 @@
           <a:p>
             <a:fld id="{5E6F84F0-D8E9-4591-BE6B-E851B07340B4}" type="datetime1">
               <a:rPr lang="en-US" smtClean="0"/>
-              <a:t>9/16/2013</a:t>
+              <a:t>9/17/2013</a:t>
             </a:fld>
             <a:endParaRPr lang="en-US" dirty="0"/>
           </a:p>
@@ -17284,7 +18848,7 @@
           <a:p>
             <a:fld id="{9E65F527-2001-4F5D-9D3A-61A918BE82E9}" type="datetime1">
               <a:rPr lang="en-US" smtClean="0"/>
-              <a:t>9/16/2013</a:t>
+              <a:t>9/17/2013</a:t>
             </a:fld>
             <a:endParaRPr lang="en-US" dirty="0"/>
           </a:p>
@@ -17588,7 +19152,7 @@
           <a:p>
             <a:fld id="{B5EAD28E-5D03-407D-8E1E-6055258D1A20}" type="datetime1">
               <a:rPr lang="en-US" smtClean="0"/>
-              <a:t>9/16/2013</a:t>
+              <a:t>9/17/2013</a:t>
             </a:fld>
             <a:endParaRPr lang="en-US" dirty="0"/>
           </a:p>
@@ -17879,7 +19443,7 @@
           <a:p>
             <a:fld id="{3F11D752-DC77-4AD0-9BD5-303C80E18703}" type="datetime1">
               <a:rPr lang="en-US" smtClean="0"/>
-              <a:t>9/16/2013</a:t>
+              <a:t>9/17/2013</a:t>
             </a:fld>
             <a:endParaRPr lang="en-US" dirty="0"/>
           </a:p>
@@ -18205,7 +19769,7 @@
           <a:p>
             <a:fld id="{38FB8DDE-8774-4EDF-982C-F60E644380EF}" type="datetime1">
               <a:rPr lang="en-US" smtClean="0"/>
-              <a:t>9/16/2013</a:t>
+              <a:t>9/17/2013</a:t>
             </a:fld>
             <a:endParaRPr lang="en-US" dirty="0"/>
           </a:p>
@@ -20110,11 +21674,7 @@
             </a:r>
             <a:r>
               <a:rPr lang="en-US" smtClean="0"/>
-              <a:t>, </a:t>
-            </a:r>
-            <a:r>
-              <a:rPr lang="en-US" smtClean="0"/>
-              <a:t>Scanning, Emailer </a:t>
+              <a:t>, Scanning, Emailer </a:t>
             </a:r>
             <a:endParaRPr lang="en-US" dirty="0"/>
           </a:p>
@@ -20176,11 +21736,7 @@
           <a:p>
             <a:r>
               <a:rPr lang="en-US" dirty="0" smtClean="0"/>
-              <a:t>What </a:t>
-            </a:r>
-            <a:r>
-              <a:rPr lang="en-US" dirty="0" smtClean="0"/>
-              <a:t>are some major </a:t>
+              <a:t>What are some major </a:t>
             </a:r>
             <a:r>
               <a:rPr lang="en-US" sz="3500" dirty="0" smtClean="0"/>
@@ -20188,23 +21744,11 @@
             </a:r>
             <a:r>
               <a:rPr lang="en-US" dirty="0" smtClean="0"/>
-              <a:t> between </a:t>
-            </a:r>
-            <a:r>
-              <a:rPr lang="en-US" dirty="0" smtClean="0"/>
-              <a:t>F# </a:t>
-            </a:r>
-            <a:r>
-              <a:rPr lang="en-US" dirty="0" smtClean="0"/>
-              <a:t>agents &amp; </a:t>
+              <a:t> between F# agents &amp; </a:t>
             </a:r>
             <a:r>
               <a:rPr lang="en-US" dirty="0" err="1" smtClean="0"/>
-              <a:t>Erlang</a:t>
-            </a:r>
-            <a:r>
-              <a:rPr lang="en-US" dirty="0" err="1" smtClean="0"/>
-              <a:t>’s</a:t>
+              <a:t>Erlang’s</a:t>
             </a:r>
             <a:r>
               <a:rPr lang="en-US" dirty="0" smtClean="0"/>
@@ -20638,13 +22182,7 @@
               <a:rPr lang="en-US" dirty="0" smtClean="0">
                 <a:hlinkClick r:id="rId6"/>
               </a:rPr>
-              <a:t> </a:t>
-            </a:r>
-            <a:r>
-              <a:rPr lang="en-US" dirty="0" smtClean="0">
-                <a:hlinkClick r:id="rId6"/>
-              </a:rPr>
-              <a:t>C9</a:t>
+              <a:t> C9</a:t>
             </a:r>
             <a:endParaRPr lang="en-US" dirty="0" smtClean="0"/>
           </a:p>
@@ -20662,13 +22200,7 @@
               <a:rPr lang="en-US" dirty="0" smtClean="0">
                 <a:hlinkClick r:id="rId8"/>
               </a:rPr>
-              <a:t>An Introduction to </a:t>
-            </a:r>
-            <a:r>
-              <a:rPr lang="en-US" dirty="0" smtClean="0">
-                <a:hlinkClick r:id="rId8"/>
-              </a:rPr>
-              <a:t>Agents</a:t>
+              <a:t>An Introduction to Agents</a:t>
             </a:r>
             <a:endParaRPr lang="en-US" dirty="0" smtClean="0"/>
           </a:p>
@@ -21867,7 +23399,23 @@
                   <a:schemeClr val="bg1"/>
                 </a:solidFill>
               </a:rPr>
-              <a:t>An actor is  </a:t>
+              <a:t>An </a:t>
+            </a:r>
+            <a:r>
+              <a:rPr lang="en-US">
+                <a:solidFill>
+                  <a:schemeClr val="bg1"/>
+                </a:solidFill>
+              </a:rPr>
+              <a:t>actor </a:t>
+            </a:r>
+            <a:r>
+              <a:rPr lang="en-US" smtClean="0">
+                <a:solidFill>
+                  <a:schemeClr val="bg1"/>
+                </a:solidFill>
+              </a:rPr>
+              <a:t>is </a:t>
             </a:r>
             <a:r>
               <a:rPr lang="en-US" dirty="0" smtClean="0">
